--- a/08. Git-and-GitHub.pptx
+++ b/08. Git-and-GitHub.pptx
@@ -5,10 +5,10 @@
     <p:sldMasterId id="2147483675" r:id="rId1"/>
   </p:sldMasterIdLst>
   <p:notesMasterIdLst>
-    <p:notesMasterId r:id="rId27"/>
+    <p:notesMasterId r:id="rId28"/>
   </p:notesMasterIdLst>
   <p:handoutMasterIdLst>
-    <p:handoutMasterId r:id="rId28"/>
+    <p:handoutMasterId r:id="rId29"/>
   </p:handoutMasterIdLst>
   <p:sldIdLst>
     <p:sldId id="256" r:id="rId2"/>
@@ -35,7 +35,8 @@
     <p:sldId id="710" r:id="rId23"/>
     <p:sldId id="707" r:id="rId24"/>
     <p:sldId id="302" r:id="rId25"/>
-    <p:sldId id="278" r:id="rId26"/>
+    <p:sldId id="711" r:id="rId26"/>
+    <p:sldId id="278" r:id="rId27"/>
   </p:sldIdLst>
   <p:sldSz cx="12192000" cy="6858000"/>
   <p:notesSz cx="6858000" cy="9144000"/>
@@ -179,6 +180,7 @@
             <p14:sldId id="710"/>
             <p14:sldId id="707"/>
             <p14:sldId id="302"/>
+            <p14:sldId id="711"/>
           </p14:sldIdLst>
         </p14:section>
         <p14:section name="Conclusion" id="{93B86954-CFB0-4F95-B5C1-1E5D9EEF5A46}">
@@ -3341,6 +3343,1371 @@
           <a:bodyPr/>
           <a:lstStyle/>
           <a:p>
+            <a:r>
+              <a:rPr lang="en-US" dirty="0"/>
+              <a:t>Let's illustrate </a:t>
+            </a:r>
+            <a:r>
+              <a:rPr lang="en-US" b="1" dirty="0"/>
+              <a:t>how we can use Git and GitHub </a:t>
+            </a:r>
+            <a:r>
+              <a:rPr lang="en-US" dirty="0"/>
+              <a:t>through a few </a:t>
+            </a:r>
+            <a:r>
+              <a:rPr lang="en-US" b="1" dirty="0"/>
+              <a:t>examples</a:t>
+            </a:r>
+            <a:r>
+              <a:rPr lang="en-US" dirty="0"/>
+              <a:t>.</a:t>
+            </a:r>
+          </a:p>
+          <a:p>
+            <a:pPr marL="171450" indent="-171450">
+              <a:buFont typeface="Arial" panose="020B0604020202020204" pitchFamily="34" charset="0"/>
+              <a:buChar char="•"/>
+            </a:pPr>
+            <a:r>
+              <a:rPr lang="en-US" dirty="0"/>
+              <a:t>We shall </a:t>
+            </a:r>
+            <a:r>
+              <a:rPr lang="en-US" b="1" dirty="0"/>
+              <a:t>clone</a:t>
+            </a:r>
+            <a:r>
+              <a:rPr lang="en-US" dirty="0"/>
+              <a:t> a GitHub repository, </a:t>
+            </a:r>
+            <a:r>
+              <a:rPr lang="en-US" b="1" dirty="0"/>
+              <a:t>edit</a:t>
+            </a:r>
+            <a:r>
+              <a:rPr lang="en-US" dirty="0"/>
+              <a:t> a local file, </a:t>
+            </a:r>
+            <a:r>
+              <a:rPr lang="en-US" b="1" dirty="0"/>
+              <a:t>commit</a:t>
+            </a:r>
+            <a:r>
+              <a:rPr lang="en-US" dirty="0"/>
+              <a:t> the local changes and </a:t>
+            </a:r>
+            <a:r>
+              <a:rPr lang="en-US" b="1" dirty="0"/>
+              <a:t>push</a:t>
+            </a:r>
+            <a:r>
+              <a:rPr lang="en-US" dirty="0"/>
+              <a:t> them to GitHub.</a:t>
+            </a:r>
+          </a:p>
+          <a:p>
+            <a:pPr marL="0" indent="0">
+              <a:buFont typeface="Arial" panose="020B0604020202020204" pitchFamily="34" charset="0"/>
+              <a:buNone/>
+            </a:pPr>
+            <a:r>
+              <a:rPr lang="en-US" dirty="0"/>
+              <a:t>We work with this </a:t>
+            </a:r>
+            <a:r>
+              <a:rPr lang="en-US" b="1" dirty="0"/>
+              <a:t>sample Git repository</a:t>
+            </a:r>
+            <a:r>
+              <a:rPr lang="bg-BG" dirty="0"/>
+              <a:t>: </a:t>
+            </a:r>
+            <a:r>
+              <a:rPr lang="en-US" sz="1200" noProof="1">
+                <a:hlinkClick r:id="rId3"/>
+              </a:rPr>
+              <a:t>https://github.com/SoftUni/playground</a:t>
+            </a:r>
+            <a:endParaRPr lang="en-US" sz="1200" noProof="1"/>
+          </a:p>
+          <a:p>
+            <a:pPr marL="171450" indent="-171450">
+              <a:buFont typeface="Arial" panose="020B0604020202020204" pitchFamily="34" charset="0"/>
+              <a:buChar char="•"/>
+            </a:pPr>
+            <a:r>
+              <a:rPr lang="en-US" sz="1200" noProof="1"/>
+              <a:t>First, let's </a:t>
+            </a:r>
+            <a:r>
+              <a:rPr lang="en-US" sz="1200" b="1" noProof="1"/>
+              <a:t>look at it</a:t>
+            </a:r>
+            <a:r>
+              <a:rPr lang="en-US" sz="1200" noProof="1"/>
+              <a:t>.</a:t>
+            </a:r>
+          </a:p>
+          <a:p>
+            <a:pPr marL="628650" lvl="1" indent="-171450">
+              <a:buFont typeface="Arial" panose="020B0604020202020204" pitchFamily="34" charset="0"/>
+              <a:buChar char="•"/>
+            </a:pPr>
+            <a:r>
+              <a:rPr lang="en-US" sz="1200" noProof="1"/>
+              <a:t>It holds several files: code + documentation.</a:t>
+            </a:r>
+          </a:p>
+          <a:p>
+            <a:pPr marL="171450" marR="0" lvl="0" indent="-171450" algn="l" defTabSz="914400" rtl="0" eaLnBrk="1" fontAlgn="auto" latinLnBrk="0" hangingPunct="1">
+              <a:lnSpc>
+                <a:spcPct val="100000"/>
+              </a:lnSpc>
+              <a:spcBef>
+                <a:spcPts val="0"/>
+              </a:spcBef>
+              <a:spcAft>
+                <a:spcPts val="0"/>
+              </a:spcAft>
+              <a:buClrTx/>
+              <a:buSzTx/>
+              <a:buFont typeface="Arial" panose="020B0604020202020204" pitchFamily="34" charset="0"/>
+              <a:buChar char="•"/>
+              <a:tabLst/>
+              <a:defRPr/>
+            </a:pPr>
+            <a:r>
+              <a:rPr lang="en-US" b="0" dirty="0"/>
+              <a:t>As a concept, </a:t>
+            </a:r>
+            <a:r>
+              <a:rPr lang="en-US" b="1" dirty="0"/>
+              <a:t>source control repositories </a:t>
+            </a:r>
+            <a:r>
+              <a:rPr lang="en-US" dirty="0"/>
+              <a:t>hold the source code and other assets of a software project.</a:t>
+            </a:r>
+            <a:endParaRPr lang="bg-BG" sz="1200" noProof="1"/>
+          </a:p>
+          <a:p>
+            <a:pPr marL="171450" indent="-171450">
+              <a:buFont typeface="Arial" panose="020B0604020202020204" pitchFamily="34" charset="0"/>
+              <a:buChar char="•"/>
+            </a:pPr>
+            <a:r>
+              <a:rPr lang="en-US" dirty="0"/>
+              <a:t>We first </a:t>
+            </a:r>
+            <a:r>
+              <a:rPr lang="en-US" b="1" dirty="0"/>
+              <a:t>clone the sample repository</a:t>
+            </a:r>
+            <a:r>
+              <a:rPr lang="en-US" b="0" dirty="0"/>
+              <a:t> to a local directory, using the "</a:t>
+            </a:r>
+            <a:r>
+              <a:rPr lang="en-US" b="1" dirty="0"/>
+              <a:t>git clone</a:t>
+            </a:r>
+            <a:r>
+              <a:rPr lang="en-US" b="0" dirty="0"/>
+              <a:t>" command.</a:t>
+            </a:r>
+          </a:p>
+          <a:p>
+            <a:pPr marL="628650" marR="0" lvl="1" indent="-171450" algn="l" defTabSz="914400" rtl="0" eaLnBrk="1" fontAlgn="auto" latinLnBrk="0" hangingPunct="1">
+              <a:lnSpc>
+                <a:spcPct val="100000"/>
+              </a:lnSpc>
+              <a:spcBef>
+                <a:spcPts val="0"/>
+              </a:spcBef>
+              <a:spcAft>
+                <a:spcPts val="0"/>
+              </a:spcAft>
+              <a:buClrTx/>
+              <a:buSzTx/>
+              <a:buFont typeface="Arial" panose="020B0604020202020204" pitchFamily="34" charset="0"/>
+              <a:buChar char="•"/>
+              <a:tabLst/>
+              <a:defRPr/>
+            </a:pPr>
+            <a:r>
+              <a:rPr lang="en-US" b="0" dirty="0"/>
+              <a:t>We must have pre-installed the </a:t>
+            </a:r>
+            <a:r>
+              <a:rPr lang="en-US" b="1" dirty="0"/>
+              <a:t>"Git" client software </a:t>
+            </a:r>
+            <a:r>
+              <a:rPr lang="en-US" b="0" dirty="0"/>
+              <a:t>on the local machine.</a:t>
+            </a:r>
+            <a:endParaRPr lang="bg-BG" b="0" dirty="0"/>
+          </a:p>
+          <a:p>
+            <a:pPr marL="628650" marR="0" lvl="1" indent="-171450" algn="l" defTabSz="914400" rtl="0" eaLnBrk="1" fontAlgn="auto" latinLnBrk="0" hangingPunct="1">
+              <a:lnSpc>
+                <a:spcPct val="100000"/>
+              </a:lnSpc>
+              <a:spcBef>
+                <a:spcPts val="0"/>
+              </a:spcBef>
+              <a:spcAft>
+                <a:spcPts val="0"/>
+              </a:spcAft>
+              <a:buClrTx/>
+              <a:buSzTx/>
+              <a:buFont typeface="Arial" panose="020B0604020202020204" pitchFamily="34" charset="0"/>
+              <a:buChar char="•"/>
+              <a:tabLst/>
+              <a:defRPr/>
+            </a:pPr>
+            <a:r>
+              <a:rPr lang="en-US" b="0" dirty="0"/>
+              <a:t>We start the </a:t>
+            </a:r>
+            <a:r>
+              <a:rPr lang="en-US" b="1" dirty="0"/>
+              <a:t>system console </a:t>
+            </a:r>
+            <a:r>
+              <a:rPr lang="en-US" b="0" dirty="0"/>
+              <a:t>(which is also called "</a:t>
+            </a:r>
+            <a:r>
+              <a:rPr lang="en-US" b="1" dirty="0"/>
+              <a:t>terminal window</a:t>
+            </a:r>
+            <a:r>
+              <a:rPr lang="en-US" b="0" dirty="0"/>
+              <a:t>" or "</a:t>
+            </a:r>
+            <a:r>
+              <a:rPr lang="en-US" b="1" dirty="0"/>
+              <a:t>command prompt</a:t>
+            </a:r>
+            <a:r>
+              <a:rPr lang="en-US" b="0" dirty="0"/>
+              <a:t>").</a:t>
+            </a:r>
+          </a:p>
+          <a:p>
+            <a:pPr marL="628650" lvl="1" indent="-171450">
+              <a:buFont typeface="Arial" panose="020B0604020202020204" pitchFamily="34" charset="0"/>
+              <a:buChar char="•"/>
+            </a:pPr>
+            <a:r>
+              <a:rPr lang="en-US" b="0" dirty="0"/>
+              <a:t>Then we type the following command at the command line:</a:t>
+            </a:r>
+          </a:p>
+          <a:p>
+            <a:pPr marL="1085850" marR="0" lvl="2" indent="-171450" algn="l" defTabSz="914400" rtl="0" eaLnBrk="1" fontAlgn="auto" latinLnBrk="0" hangingPunct="1">
+              <a:lnSpc>
+                <a:spcPct val="100000"/>
+              </a:lnSpc>
+              <a:spcBef>
+                <a:spcPts val="0"/>
+              </a:spcBef>
+              <a:spcAft>
+                <a:spcPts val="0"/>
+              </a:spcAft>
+              <a:buClrTx/>
+              <a:buSzTx/>
+              <a:buFont typeface="Arial" panose="020B0604020202020204" pitchFamily="34" charset="0"/>
+              <a:buChar char="•"/>
+              <a:tabLst/>
+              <a:defRPr/>
+            </a:pPr>
+            <a:r>
+              <a:rPr lang="en-US" sz="1200" b="1" noProof="1"/>
+              <a:t>git clone https://github.com/SoftUni/playground</a:t>
+            </a:r>
+          </a:p>
+          <a:p>
+            <a:pPr marL="628650" marR="0" lvl="1" indent="-171450" algn="l" defTabSz="914400" rtl="0" eaLnBrk="1" fontAlgn="auto" latinLnBrk="0" hangingPunct="1">
+              <a:lnSpc>
+                <a:spcPct val="100000"/>
+              </a:lnSpc>
+              <a:spcBef>
+                <a:spcPts val="0"/>
+              </a:spcBef>
+              <a:spcAft>
+                <a:spcPts val="0"/>
+              </a:spcAft>
+              <a:buClrTx/>
+              <a:buSzTx/>
+              <a:buFont typeface="Arial" panose="020B0604020202020204" pitchFamily="34" charset="0"/>
+              <a:buChar char="•"/>
+              <a:tabLst/>
+              <a:defRPr/>
+            </a:pPr>
+            <a:r>
+              <a:rPr lang="en-US" b="0" noProof="1"/>
+              <a:t>This will </a:t>
+            </a:r>
+            <a:r>
+              <a:rPr lang="en-US" b="0" dirty="0"/>
+              <a:t>create </a:t>
+            </a:r>
+            <a:r>
+              <a:rPr lang="en-US" dirty="0"/>
+              <a:t>a </a:t>
+            </a:r>
+            <a:r>
+              <a:rPr lang="en-US" b="1" dirty="0"/>
+              <a:t>local copy of the specified repository</a:t>
+            </a:r>
+            <a:r>
+              <a:rPr lang="en-US" dirty="0"/>
+              <a:t> in the "playground" subdirectory in the current directory.</a:t>
+            </a:r>
+          </a:p>
+          <a:p>
+            <a:pPr marL="0" marR="0" lvl="0" indent="0" algn="l" defTabSz="914400" rtl="0" eaLnBrk="1" fontAlgn="auto" latinLnBrk="0" hangingPunct="1">
+              <a:lnSpc>
+                <a:spcPct val="100000"/>
+              </a:lnSpc>
+              <a:spcBef>
+                <a:spcPts val="0"/>
+              </a:spcBef>
+              <a:spcAft>
+                <a:spcPts val="0"/>
+              </a:spcAft>
+              <a:buClrTx/>
+              <a:buSzTx/>
+              <a:buFont typeface="Arial" panose="020B0604020202020204" pitchFamily="34" charset="0"/>
+              <a:buNone/>
+              <a:tabLst/>
+              <a:defRPr/>
+            </a:pPr>
+            <a:endParaRPr lang="en-US" dirty="0"/>
+          </a:p>
+          <a:p>
+            <a:pPr marL="171450" marR="0" lvl="0" indent="-171450" algn="l" defTabSz="914400" rtl="0" eaLnBrk="1" fontAlgn="auto" latinLnBrk="0" hangingPunct="1">
+              <a:lnSpc>
+                <a:spcPct val="100000"/>
+              </a:lnSpc>
+              <a:spcBef>
+                <a:spcPts val="0"/>
+              </a:spcBef>
+              <a:spcAft>
+                <a:spcPts val="0"/>
+              </a:spcAft>
+              <a:buClrTx/>
+              <a:buSzTx/>
+              <a:buFont typeface="Arial" panose="020B0604020202020204" pitchFamily="34" charset="0"/>
+              <a:buChar char="•"/>
+              <a:tabLst/>
+              <a:defRPr/>
+            </a:pPr>
+            <a:r>
+              <a:rPr lang="en-US" dirty="0"/>
+              <a:t>Now we can </a:t>
+            </a:r>
+            <a:r>
+              <a:rPr lang="en-US" b="1" dirty="0"/>
+              <a:t>modify </a:t>
+            </a:r>
+            <a:r>
+              <a:rPr lang="bg-BG" b="1" dirty="0"/>
+              <a:t>а</a:t>
+            </a:r>
+            <a:r>
+              <a:rPr lang="en-US" b="1" dirty="0"/>
+              <a:t> local file</a:t>
+            </a:r>
+            <a:r>
+              <a:rPr lang="en-US" dirty="0"/>
+              <a:t>, for example the file "</a:t>
+            </a:r>
+            <a:r>
+              <a:rPr lang="en-US" b="1" dirty="0"/>
+              <a:t>README.md</a:t>
+            </a:r>
+            <a:r>
+              <a:rPr lang="en-US" dirty="0"/>
+              <a:t>".</a:t>
+            </a:r>
+          </a:p>
+          <a:p>
+            <a:pPr marL="628650" marR="0" lvl="1" indent="-171450" algn="l" defTabSz="914400" rtl="0" eaLnBrk="1" fontAlgn="auto" latinLnBrk="0" hangingPunct="1">
+              <a:lnSpc>
+                <a:spcPct val="100000"/>
+              </a:lnSpc>
+              <a:spcBef>
+                <a:spcPts val="0"/>
+              </a:spcBef>
+              <a:spcAft>
+                <a:spcPts val="0"/>
+              </a:spcAft>
+              <a:buClrTx/>
+              <a:buSzTx/>
+              <a:buFont typeface="Arial" panose="020B0604020202020204" pitchFamily="34" charset="0"/>
+              <a:buChar char="•"/>
+              <a:tabLst/>
+              <a:defRPr/>
+            </a:pPr>
+            <a:r>
+              <a:rPr lang="en-US" dirty="0"/>
+              <a:t>We can use a text editor of choice, such as "</a:t>
+            </a:r>
+            <a:r>
+              <a:rPr lang="en-US" b="1" dirty="0"/>
+              <a:t>Notepad</a:t>
+            </a:r>
+            <a:r>
+              <a:rPr lang="en-US" dirty="0"/>
+              <a:t>".</a:t>
+            </a:r>
+          </a:p>
+          <a:p>
+            <a:pPr marL="628650" marR="0" lvl="1" indent="-171450" algn="l" defTabSz="914400" rtl="0" eaLnBrk="1" fontAlgn="auto" latinLnBrk="0" hangingPunct="1">
+              <a:lnSpc>
+                <a:spcPct val="100000"/>
+              </a:lnSpc>
+              <a:spcBef>
+                <a:spcPts val="0"/>
+              </a:spcBef>
+              <a:spcAft>
+                <a:spcPts val="0"/>
+              </a:spcAft>
+              <a:buClrTx/>
+              <a:buSzTx/>
+              <a:buFont typeface="Arial" panose="020B0604020202020204" pitchFamily="34" charset="0"/>
+              <a:buChar char="•"/>
+              <a:tabLst/>
+              <a:defRPr/>
+            </a:pPr>
+            <a:r>
+              <a:rPr lang="en-US" dirty="0"/>
+              <a:t>We can open the file with Notepad by the following command:</a:t>
+            </a:r>
+          </a:p>
+          <a:p>
+            <a:pPr marL="1085850" marR="0" lvl="2" indent="-171450" algn="l" defTabSz="914400" rtl="0" eaLnBrk="1" fontAlgn="auto" latinLnBrk="0" hangingPunct="1">
+              <a:lnSpc>
+                <a:spcPct val="100000"/>
+              </a:lnSpc>
+              <a:spcBef>
+                <a:spcPts val="0"/>
+              </a:spcBef>
+              <a:spcAft>
+                <a:spcPts val="0"/>
+              </a:spcAft>
+              <a:buClrTx/>
+              <a:buSzTx/>
+              <a:buFont typeface="Arial" panose="020B0604020202020204" pitchFamily="34" charset="0"/>
+              <a:buChar char="•"/>
+              <a:tabLst/>
+              <a:defRPr/>
+            </a:pPr>
+            <a:r>
+              <a:rPr lang="en-US" sz="1200" b="1" noProof="1"/>
+              <a:t>notepad README.md</a:t>
+            </a:r>
+            <a:endParaRPr lang="en-US" sz="1200" b="0" noProof="1"/>
+          </a:p>
+          <a:p>
+            <a:pPr marL="628650" marR="0" lvl="1" indent="-171450" algn="l" defTabSz="914400" rtl="0" eaLnBrk="1" fontAlgn="auto" latinLnBrk="0" hangingPunct="1">
+              <a:lnSpc>
+                <a:spcPct val="100000"/>
+              </a:lnSpc>
+              <a:spcBef>
+                <a:spcPts val="0"/>
+              </a:spcBef>
+              <a:spcAft>
+                <a:spcPts val="0"/>
+              </a:spcAft>
+              <a:buClrTx/>
+              <a:buSzTx/>
+              <a:buFont typeface="Arial" panose="020B0604020202020204" pitchFamily="34" charset="0"/>
+              <a:buChar char="•"/>
+              <a:tabLst/>
+              <a:defRPr/>
+            </a:pPr>
+            <a:r>
+              <a:rPr lang="en-US" sz="1200" b="0" noProof="1"/>
+              <a:t>Now </a:t>
+            </a:r>
+            <a:r>
+              <a:rPr lang="en-US" sz="1200" b="1" noProof="1"/>
+              <a:t>add a new line </a:t>
+            </a:r>
+            <a:r>
+              <a:rPr lang="en-US" sz="1200" b="0" noProof="1"/>
+              <a:t>in the file and </a:t>
+            </a:r>
+            <a:r>
+              <a:rPr lang="en-US" sz="1200" b="1" noProof="1"/>
+              <a:t>save it</a:t>
+            </a:r>
+            <a:r>
+              <a:rPr lang="en-US" sz="1200" b="0" noProof="1"/>
+              <a:t>.</a:t>
+            </a:r>
+          </a:p>
+          <a:p>
+            <a:pPr marL="171450" marR="0" lvl="0" indent="-171450" algn="l" defTabSz="914400" rtl="0" eaLnBrk="1" fontAlgn="auto" latinLnBrk="0" hangingPunct="1">
+              <a:lnSpc>
+                <a:spcPct val="100000"/>
+              </a:lnSpc>
+              <a:spcBef>
+                <a:spcPts val="0"/>
+              </a:spcBef>
+              <a:spcAft>
+                <a:spcPts val="0"/>
+              </a:spcAft>
+              <a:buClrTx/>
+              <a:buSzTx/>
+              <a:buFont typeface="Arial" panose="020B0604020202020204" pitchFamily="34" charset="0"/>
+              <a:buChar char="•"/>
+              <a:tabLst/>
+              <a:defRPr/>
+            </a:pPr>
+            <a:r>
+              <a:rPr lang="en-US" sz="1200" b="0" noProof="1"/>
+              <a:t>Now we have a </a:t>
+            </a:r>
+            <a:r>
+              <a:rPr lang="en-US" sz="1200" b="1" noProof="1"/>
+              <a:t>modified file </a:t>
+            </a:r>
+            <a:r>
+              <a:rPr lang="en-US" sz="1200" b="0" noProof="1"/>
+              <a:t>on the local disk.</a:t>
+            </a:r>
+          </a:p>
+          <a:p>
+            <a:pPr marL="171450" marR="0" lvl="0" indent="-171450" algn="l" defTabSz="914400" rtl="0" eaLnBrk="1" fontAlgn="auto" latinLnBrk="0" hangingPunct="1">
+              <a:lnSpc>
+                <a:spcPct val="100000"/>
+              </a:lnSpc>
+              <a:spcBef>
+                <a:spcPts val="0"/>
+              </a:spcBef>
+              <a:spcAft>
+                <a:spcPts val="0"/>
+              </a:spcAft>
+              <a:buClrTx/>
+              <a:buSzTx/>
+              <a:buFont typeface="Arial" panose="020B0604020202020204" pitchFamily="34" charset="0"/>
+              <a:buChar char="•"/>
+              <a:tabLst/>
+              <a:defRPr/>
+            </a:pPr>
+            <a:endParaRPr lang="en-US" sz="1200" b="0" noProof="1"/>
+          </a:p>
+          <a:p>
+            <a:pPr marL="171450" marR="0" lvl="0" indent="-171450" algn="l" defTabSz="914400" rtl="0" eaLnBrk="1" fontAlgn="auto" latinLnBrk="0" hangingPunct="1">
+              <a:lnSpc>
+                <a:spcPct val="100000"/>
+              </a:lnSpc>
+              <a:spcBef>
+                <a:spcPts val="0"/>
+              </a:spcBef>
+              <a:spcAft>
+                <a:spcPts val="0"/>
+              </a:spcAft>
+              <a:buClrTx/>
+              <a:buSzTx/>
+              <a:buFont typeface="Arial" panose="020B0604020202020204" pitchFamily="34" charset="0"/>
+              <a:buChar char="•"/>
+              <a:tabLst/>
+              <a:defRPr/>
+            </a:pPr>
+            <a:r>
+              <a:rPr lang="en-US" sz="1200" b="0" noProof="1"/>
+              <a:t>We want to </a:t>
+            </a:r>
+            <a:r>
+              <a:rPr lang="en-US" sz="1200" b="1" noProof="1"/>
+              <a:t>commit the pending changes</a:t>
+            </a:r>
+            <a:r>
+              <a:rPr lang="en-US" sz="1200" b="0" noProof="1"/>
+              <a:t>,</a:t>
+            </a:r>
+          </a:p>
+          <a:p>
+            <a:pPr marL="628650" marR="0" lvl="1" indent="-171450" algn="l" defTabSz="914400" rtl="0" eaLnBrk="1" fontAlgn="auto" latinLnBrk="0" hangingPunct="1">
+              <a:lnSpc>
+                <a:spcPct val="100000"/>
+              </a:lnSpc>
+              <a:spcBef>
+                <a:spcPts val="0"/>
+              </a:spcBef>
+              <a:spcAft>
+                <a:spcPts val="0"/>
+              </a:spcAft>
+              <a:buClrTx/>
+              <a:buSzTx/>
+              <a:buFont typeface="Arial" panose="020B0604020202020204" pitchFamily="34" charset="0"/>
+              <a:buChar char="•"/>
+              <a:tabLst/>
+              <a:defRPr/>
+            </a:pPr>
+            <a:r>
+              <a:rPr lang="en-US" sz="1200" b="0" noProof="1"/>
+              <a:t>so that they enter the local repository and are tracked in the version control system.</a:t>
+            </a:r>
+          </a:p>
+          <a:p>
+            <a:pPr marL="171450" marR="0" lvl="0" indent="-171450" algn="l" defTabSz="914400" rtl="0" eaLnBrk="1" fontAlgn="auto" latinLnBrk="0" hangingPunct="1">
+              <a:lnSpc>
+                <a:spcPct val="100000"/>
+              </a:lnSpc>
+              <a:spcBef>
+                <a:spcPts val="0"/>
+              </a:spcBef>
+              <a:spcAft>
+                <a:spcPts val="0"/>
+              </a:spcAft>
+              <a:buClrTx/>
+              <a:buSzTx/>
+              <a:buFont typeface="Arial" panose="020B0604020202020204" pitchFamily="34" charset="0"/>
+              <a:buChar char="•"/>
+              <a:tabLst/>
+              <a:defRPr/>
+            </a:pPr>
+            <a:r>
+              <a:rPr lang="en-US" sz="1200" b="0" noProof="1"/>
+              <a:t>We run the following command at the console:</a:t>
+            </a:r>
+          </a:p>
+          <a:p>
+            <a:pPr marL="628650" marR="0" lvl="1" indent="-171450" algn="l" defTabSz="914400" rtl="0" eaLnBrk="1" fontAlgn="auto" latinLnBrk="0" hangingPunct="1">
+              <a:lnSpc>
+                <a:spcPct val="100000"/>
+              </a:lnSpc>
+              <a:spcBef>
+                <a:spcPts val="0"/>
+              </a:spcBef>
+              <a:spcAft>
+                <a:spcPts val="0"/>
+              </a:spcAft>
+              <a:buClrTx/>
+              <a:buSzTx/>
+              <a:buFont typeface="Arial" panose="020B0604020202020204" pitchFamily="34" charset="0"/>
+              <a:buChar char="•"/>
+              <a:tabLst/>
+              <a:defRPr/>
+            </a:pPr>
+            <a:r>
+              <a:rPr lang="en-US" sz="1200" b="1" noProof="1"/>
+              <a:t>git add . &amp; git commit -m "Added something"</a:t>
+            </a:r>
+          </a:p>
+          <a:p>
+            <a:pPr marL="171450" marR="0" lvl="0" indent="-171450" algn="l" defTabSz="914400" rtl="0" eaLnBrk="1" fontAlgn="auto" latinLnBrk="0" hangingPunct="1">
+              <a:lnSpc>
+                <a:spcPct val="100000"/>
+              </a:lnSpc>
+              <a:spcBef>
+                <a:spcPts val="0"/>
+              </a:spcBef>
+              <a:spcAft>
+                <a:spcPts val="0"/>
+              </a:spcAft>
+              <a:buClrTx/>
+              <a:buSzTx/>
+              <a:buFont typeface="Arial" panose="020B0604020202020204" pitchFamily="34" charset="0"/>
+              <a:buChar char="•"/>
+              <a:tabLst/>
+              <a:defRPr/>
+            </a:pPr>
+            <a:r>
+              <a:rPr lang="en-US" sz="1200" b="0" noProof="1"/>
+              <a:t>This command </a:t>
+            </a:r>
+            <a:r>
+              <a:rPr lang="en-US" sz="1200" b="1" noProof="1"/>
+              <a:t>adds </a:t>
+            </a:r>
+            <a:r>
+              <a:rPr lang="en-US" sz="1200" b="0" noProof="1"/>
+              <a:t>any new files to the repository and </a:t>
+            </a:r>
+            <a:r>
+              <a:rPr lang="en-US" sz="1200" b="1" noProof="1"/>
+              <a:t>commits </a:t>
+            </a:r>
+            <a:r>
+              <a:rPr lang="en-US" sz="1200" b="0" noProof="1"/>
+              <a:t>all pending changes.</a:t>
+            </a:r>
+          </a:p>
+          <a:p>
+            <a:pPr marL="171450" marR="0" lvl="0" indent="-171450" algn="l" defTabSz="914400" rtl="0" eaLnBrk="1" fontAlgn="auto" latinLnBrk="0" hangingPunct="1">
+              <a:lnSpc>
+                <a:spcPct val="100000"/>
+              </a:lnSpc>
+              <a:spcBef>
+                <a:spcPts val="0"/>
+              </a:spcBef>
+              <a:spcAft>
+                <a:spcPts val="0"/>
+              </a:spcAft>
+              <a:buClrTx/>
+              <a:buSzTx/>
+              <a:buFont typeface="Arial" panose="020B0604020202020204" pitchFamily="34" charset="0"/>
+              <a:buChar char="•"/>
+              <a:tabLst/>
+              <a:defRPr/>
+            </a:pPr>
+            <a:r>
+              <a:rPr lang="en-US" sz="1200" b="0" noProof="1"/>
+              <a:t>When we commit the changes, we need to </a:t>
+            </a:r>
+            <a:r>
+              <a:rPr lang="en-US" sz="1200" b="1" noProof="1"/>
+              <a:t>leave a message </a:t>
+            </a:r>
+            <a:r>
+              <a:rPr lang="en-US" sz="1200" b="0" noProof="1"/>
+              <a:t>(an explanation of the changes we make).</a:t>
+            </a:r>
+          </a:p>
+          <a:p>
+            <a:pPr marL="171450" marR="0" lvl="0" indent="-171450" algn="l" defTabSz="914400" rtl="0" eaLnBrk="1" fontAlgn="auto" latinLnBrk="0" hangingPunct="1">
+              <a:lnSpc>
+                <a:spcPct val="100000"/>
+              </a:lnSpc>
+              <a:spcBef>
+                <a:spcPts val="0"/>
+              </a:spcBef>
+              <a:spcAft>
+                <a:spcPts val="0"/>
+              </a:spcAft>
+              <a:buClrTx/>
+              <a:buSzTx/>
+              <a:buFont typeface="Arial" panose="020B0604020202020204" pitchFamily="34" charset="0"/>
+              <a:buChar char="•"/>
+              <a:tabLst/>
+              <a:defRPr/>
+            </a:pPr>
+            <a:r>
+              <a:rPr lang="en-US" sz="1200" b="0" noProof="1"/>
+              <a:t>Now we have a local repository, which </a:t>
+            </a:r>
+            <a:r>
+              <a:rPr lang="en-US" sz="1200" b="1" noProof="1"/>
+              <a:t>holds changes</a:t>
+            </a:r>
+            <a:r>
+              <a:rPr lang="en-US" sz="1200" b="0" noProof="1"/>
+              <a:t>.</a:t>
+            </a:r>
+          </a:p>
+          <a:p>
+            <a:pPr marL="628650" marR="0" lvl="1" indent="-171450" algn="l" defTabSz="914400" rtl="0" eaLnBrk="1" fontAlgn="auto" latinLnBrk="0" hangingPunct="1">
+              <a:lnSpc>
+                <a:spcPct val="100000"/>
+              </a:lnSpc>
+              <a:spcBef>
+                <a:spcPts val="0"/>
+              </a:spcBef>
+              <a:spcAft>
+                <a:spcPts val="0"/>
+              </a:spcAft>
+              <a:buClrTx/>
+              <a:buSzTx/>
+              <a:buFont typeface="Arial" panose="020B0604020202020204" pitchFamily="34" charset="0"/>
+              <a:buChar char="•"/>
+              <a:tabLst/>
+              <a:defRPr/>
+            </a:pPr>
+            <a:r>
+              <a:rPr lang="en-US" sz="1200" b="0" noProof="1"/>
+              <a:t>We can change files and commit our work many times.</a:t>
+            </a:r>
+          </a:p>
+          <a:p>
+            <a:pPr marL="171450" marR="0" lvl="0" indent="-171450" algn="l" defTabSz="914400" rtl="0" eaLnBrk="1" fontAlgn="auto" latinLnBrk="0" hangingPunct="1">
+              <a:lnSpc>
+                <a:spcPct val="100000"/>
+              </a:lnSpc>
+              <a:spcBef>
+                <a:spcPts val="0"/>
+              </a:spcBef>
+              <a:spcAft>
+                <a:spcPts val="0"/>
+              </a:spcAft>
+              <a:buClrTx/>
+              <a:buSzTx/>
+              <a:buFont typeface="Arial" panose="020B0604020202020204" pitchFamily="34" charset="0"/>
+              <a:buChar char="•"/>
+              <a:tabLst/>
+              <a:defRPr/>
+            </a:pPr>
+            <a:r>
+              <a:rPr lang="en-US" sz="1200" b="0" noProof="1"/>
+              <a:t>These changes are </a:t>
+            </a:r>
+            <a:r>
+              <a:rPr lang="en-US" sz="1200" b="1" noProof="1"/>
+              <a:t>still not sent to GitHub</a:t>
+            </a:r>
+            <a:r>
+              <a:rPr lang="en-US" sz="1200" b="0" noProof="1"/>
+              <a:t>.</a:t>
+            </a:r>
+            <a:endParaRPr lang="bg-BG" sz="1200" b="0" noProof="1"/>
+          </a:p>
+          <a:p>
+            <a:pPr marL="171450" marR="0" lvl="0" indent="-171450" algn="l" defTabSz="914400" rtl="0" eaLnBrk="1" fontAlgn="auto" latinLnBrk="0" hangingPunct="1">
+              <a:lnSpc>
+                <a:spcPct val="100000"/>
+              </a:lnSpc>
+              <a:spcBef>
+                <a:spcPts val="0"/>
+              </a:spcBef>
+              <a:spcAft>
+                <a:spcPts val="0"/>
+              </a:spcAft>
+              <a:buClrTx/>
+              <a:buSzTx/>
+              <a:buFont typeface="Arial" panose="020B0604020202020204" pitchFamily="34" charset="0"/>
+              <a:buChar char="•"/>
+              <a:tabLst/>
+              <a:defRPr/>
+            </a:pPr>
+            <a:endParaRPr lang="en-US" sz="1200" b="0" noProof="1"/>
+          </a:p>
+          <a:p>
+            <a:pPr marL="171450" marR="0" lvl="0" indent="-171450" algn="l" defTabSz="914400" rtl="0" eaLnBrk="1" fontAlgn="auto" latinLnBrk="0" hangingPunct="1">
+              <a:lnSpc>
+                <a:spcPct val="100000"/>
+              </a:lnSpc>
+              <a:spcBef>
+                <a:spcPts val="0"/>
+              </a:spcBef>
+              <a:spcAft>
+                <a:spcPts val="0"/>
+              </a:spcAft>
+              <a:buClrTx/>
+              <a:buSzTx/>
+              <a:buFont typeface="Arial" panose="020B0604020202020204" pitchFamily="34" charset="0"/>
+              <a:buChar char="•"/>
+              <a:tabLst/>
+              <a:defRPr/>
+            </a:pPr>
+            <a:r>
+              <a:rPr lang="en-US" sz="1200" b="0" noProof="1"/>
+              <a:t>To </a:t>
+            </a:r>
+            <a:r>
+              <a:rPr lang="en-US" sz="1200" b="1" noProof="1"/>
+              <a:t>send the local commits </a:t>
+            </a:r>
+            <a:r>
+              <a:rPr lang="en-US" sz="1200" b="0" noProof="1"/>
+              <a:t>to the remote repository at GitGub, we can execute the following command:</a:t>
+            </a:r>
+          </a:p>
+          <a:p>
+            <a:pPr marL="628650" marR="0" lvl="1" indent="-171450" algn="l" defTabSz="914400" rtl="0" eaLnBrk="1" fontAlgn="auto" latinLnBrk="0" hangingPunct="1">
+              <a:lnSpc>
+                <a:spcPct val="100000"/>
+              </a:lnSpc>
+              <a:spcBef>
+                <a:spcPts val="0"/>
+              </a:spcBef>
+              <a:spcAft>
+                <a:spcPts val="0"/>
+              </a:spcAft>
+              <a:buClrTx/>
+              <a:buSzTx/>
+              <a:buFont typeface="Arial" panose="020B0604020202020204" pitchFamily="34" charset="0"/>
+              <a:buChar char="•"/>
+              <a:tabLst/>
+              <a:defRPr/>
+            </a:pPr>
+            <a:r>
+              <a:rPr lang="en-US" sz="1200" b="1" noProof="1"/>
+              <a:t>git push</a:t>
+            </a:r>
+          </a:p>
+          <a:p>
+            <a:pPr marL="171450" marR="0" lvl="0" indent="-171450" algn="l" defTabSz="914400" rtl="0" eaLnBrk="1" fontAlgn="auto" latinLnBrk="0" hangingPunct="1">
+              <a:lnSpc>
+                <a:spcPct val="100000"/>
+              </a:lnSpc>
+              <a:spcBef>
+                <a:spcPts val="0"/>
+              </a:spcBef>
+              <a:spcAft>
+                <a:spcPts val="0"/>
+              </a:spcAft>
+              <a:buClrTx/>
+              <a:buSzTx/>
+              <a:buFont typeface="Arial" panose="020B0604020202020204" pitchFamily="34" charset="0"/>
+              <a:buChar char="•"/>
+              <a:tabLst/>
+              <a:defRPr/>
+            </a:pPr>
+            <a:r>
+              <a:rPr lang="en-US" sz="1200" b="0" noProof="1"/>
+              <a:t>This command needs the current Git user to have </a:t>
+            </a:r>
+            <a:r>
+              <a:rPr lang="en-US" sz="1200" b="1" noProof="1"/>
+              <a:t>permissions to write </a:t>
+            </a:r>
+            <a:r>
+              <a:rPr lang="en-US" sz="1200" b="0" noProof="1"/>
+              <a:t>in the remote repository.</a:t>
+            </a:r>
+          </a:p>
+          <a:p>
+            <a:pPr marL="628650" marR="0" lvl="1" indent="-171450" algn="l" defTabSz="914400" rtl="0" eaLnBrk="1" fontAlgn="auto" latinLnBrk="0" hangingPunct="1">
+              <a:lnSpc>
+                <a:spcPct val="100000"/>
+              </a:lnSpc>
+              <a:spcBef>
+                <a:spcPts val="0"/>
+              </a:spcBef>
+              <a:spcAft>
+                <a:spcPts val="0"/>
+              </a:spcAft>
+              <a:buClrTx/>
+              <a:buSzTx/>
+              <a:buFont typeface="Arial" panose="020B0604020202020204" pitchFamily="34" charset="0"/>
+              <a:buChar char="•"/>
+              <a:tabLst/>
+              <a:defRPr/>
+            </a:pPr>
+            <a:r>
+              <a:rPr lang="en-US" sz="1200" b="0" noProof="1"/>
+              <a:t>It may </a:t>
+            </a:r>
+            <a:r>
+              <a:rPr lang="en-US" sz="1200" b="1" noProof="1"/>
+              <a:t>ask for username and password </a:t>
+            </a:r>
+            <a:r>
+              <a:rPr lang="en-US" sz="1200" b="0" noProof="1"/>
+              <a:t>or other method of authentication.</a:t>
+            </a:r>
+          </a:p>
+          <a:p>
+            <a:pPr marL="171450" marR="0" lvl="0" indent="-171450" algn="l" defTabSz="914400" rtl="0" eaLnBrk="1" fontAlgn="auto" latinLnBrk="0" hangingPunct="1">
+              <a:lnSpc>
+                <a:spcPct val="100000"/>
+              </a:lnSpc>
+              <a:spcBef>
+                <a:spcPts val="0"/>
+              </a:spcBef>
+              <a:spcAft>
+                <a:spcPts val="0"/>
+              </a:spcAft>
+              <a:buClrTx/>
+              <a:buSzTx/>
+              <a:buFont typeface="Arial" panose="020B0604020202020204" pitchFamily="34" charset="0"/>
+              <a:buChar char="•"/>
+              <a:tabLst/>
+              <a:defRPr/>
+            </a:pPr>
+            <a:r>
+              <a:rPr lang="en-US" sz="1200" b="0" noProof="1"/>
+              <a:t>Now we can </a:t>
+            </a:r>
+            <a:r>
+              <a:rPr lang="en-US" sz="1200" b="1" noProof="1"/>
+              <a:t>open the repository from the GitHub web site </a:t>
+            </a:r>
+            <a:r>
+              <a:rPr lang="en-US" sz="1200" b="0" noProof="1"/>
+              <a:t>and see the changes:</a:t>
+            </a:r>
+          </a:p>
+          <a:p>
+            <a:pPr marL="628650" marR="0" lvl="1" indent="-171450" algn="l" defTabSz="914400" rtl="0" eaLnBrk="1" fontAlgn="auto" latinLnBrk="0" hangingPunct="1">
+              <a:lnSpc>
+                <a:spcPct val="100000"/>
+              </a:lnSpc>
+              <a:spcBef>
+                <a:spcPts val="0"/>
+              </a:spcBef>
+              <a:spcAft>
+                <a:spcPts val="0"/>
+              </a:spcAft>
+              <a:buClrTx/>
+              <a:buSzTx/>
+              <a:buFont typeface="Arial" panose="020B0604020202020204" pitchFamily="34" charset="0"/>
+              <a:buChar char="•"/>
+              <a:tabLst/>
+              <a:defRPr/>
+            </a:pPr>
+            <a:r>
+              <a:rPr lang="en-US" sz="1200" b="0" noProof="1"/>
+              <a:t>We can see the content of the changed files.</a:t>
+            </a:r>
+          </a:p>
+          <a:p>
+            <a:pPr marL="628650" marR="0" lvl="1" indent="-171450" algn="l" defTabSz="914400" rtl="0" eaLnBrk="1" fontAlgn="auto" latinLnBrk="0" hangingPunct="1">
+              <a:lnSpc>
+                <a:spcPct val="100000"/>
+              </a:lnSpc>
+              <a:spcBef>
+                <a:spcPts val="0"/>
+              </a:spcBef>
+              <a:spcAft>
+                <a:spcPts val="0"/>
+              </a:spcAft>
+              <a:buClrTx/>
+              <a:buSzTx/>
+              <a:buFont typeface="Arial" panose="020B0604020202020204" pitchFamily="34" charset="0"/>
+              <a:buChar char="•"/>
+              <a:tabLst/>
+              <a:defRPr/>
+            </a:pPr>
+            <a:r>
+              <a:rPr lang="en-US" sz="1200" b="0" noProof="1"/>
+              <a:t>We can also </a:t>
+            </a:r>
+            <a:r>
+              <a:rPr lang="en-US" sz="1200" b="1" noProof="1"/>
+              <a:t>review the commits </a:t>
+            </a:r>
+            <a:r>
+              <a:rPr lang="en-US" sz="1200" b="0" noProof="1"/>
+              <a:t>(the change log) and what was changed in each commit.</a:t>
+            </a:r>
+          </a:p>
+          <a:p>
+            <a:pPr marL="0" marR="0" lvl="0" indent="0" algn="l" defTabSz="914400" rtl="0" eaLnBrk="1" fontAlgn="auto" latinLnBrk="0" hangingPunct="1">
+              <a:lnSpc>
+                <a:spcPct val="100000"/>
+              </a:lnSpc>
+              <a:spcBef>
+                <a:spcPts val="0"/>
+              </a:spcBef>
+              <a:spcAft>
+                <a:spcPts val="0"/>
+              </a:spcAft>
+              <a:buClrTx/>
+              <a:buSzTx/>
+              <a:buFont typeface="Arial" panose="020B0604020202020204" pitchFamily="34" charset="0"/>
+              <a:buNone/>
+              <a:tabLst/>
+              <a:defRPr/>
+            </a:pPr>
+            <a:r>
+              <a:rPr lang="en-US" sz="1200" b="0" noProof="1"/>
+              <a:t>Please </a:t>
+            </a:r>
+            <a:r>
+              <a:rPr lang="en-US" sz="1200" b="1" noProof="1"/>
+              <a:t>focus on the concepts</a:t>
+            </a:r>
+            <a:r>
+              <a:rPr lang="en-US" sz="1200" b="0" noProof="1"/>
+              <a:t>, rather than on the commands and their parameters.</a:t>
+            </a:r>
+          </a:p>
+          <a:p>
+            <a:pPr marL="171450" marR="0" lvl="0" indent="-171450" algn="l" defTabSz="914400" rtl="0" eaLnBrk="1" fontAlgn="auto" latinLnBrk="0" hangingPunct="1">
+              <a:lnSpc>
+                <a:spcPct val="100000"/>
+              </a:lnSpc>
+              <a:spcBef>
+                <a:spcPts val="0"/>
+              </a:spcBef>
+              <a:spcAft>
+                <a:spcPts val="0"/>
+              </a:spcAft>
+              <a:buClrTx/>
+              <a:buSzTx/>
+              <a:buFont typeface="Arial" panose="020B0604020202020204" pitchFamily="34" charset="0"/>
+              <a:buChar char="•"/>
+              <a:tabLst/>
+              <a:defRPr/>
+            </a:pPr>
+            <a:r>
+              <a:rPr lang="en-US" sz="1200" b="0" noProof="1"/>
+              <a:t>The </a:t>
+            </a:r>
+            <a:r>
+              <a:rPr lang="en-US" sz="1200" b="1" noProof="1"/>
+              <a:t>concepts </a:t>
+            </a:r>
+            <a:r>
+              <a:rPr lang="en-US" sz="1200" b="0" noProof="1"/>
+              <a:t>here are that source control systems keep the source code in a remote </a:t>
+            </a:r>
+            <a:r>
+              <a:rPr lang="en-US" sz="1200" b="1" noProof="1"/>
+              <a:t>repositories</a:t>
+            </a:r>
+            <a:r>
+              <a:rPr lang="en-US" sz="1200" b="0" noProof="1"/>
+              <a:t>,</a:t>
+            </a:r>
+          </a:p>
+          <a:p>
+            <a:pPr marL="171450" marR="0" lvl="0" indent="-171450" algn="l" defTabSz="914400" rtl="0" eaLnBrk="1" fontAlgn="auto" latinLnBrk="0" hangingPunct="1">
+              <a:lnSpc>
+                <a:spcPct val="100000"/>
+              </a:lnSpc>
+              <a:spcBef>
+                <a:spcPts val="0"/>
+              </a:spcBef>
+              <a:spcAft>
+                <a:spcPts val="0"/>
+              </a:spcAft>
+              <a:buClrTx/>
+              <a:buSzTx/>
+              <a:buFont typeface="Arial" panose="020B0604020202020204" pitchFamily="34" charset="0"/>
+              <a:buChar char="•"/>
+              <a:tabLst/>
+              <a:defRPr/>
+            </a:pPr>
+            <a:r>
+              <a:rPr lang="en-US" sz="1200" b="0" noProof="1"/>
+              <a:t>and we can </a:t>
+            </a:r>
+            <a:r>
+              <a:rPr lang="en-US" sz="1200" b="1" noProof="1"/>
+              <a:t>clone</a:t>
+            </a:r>
+            <a:r>
+              <a:rPr lang="en-US" sz="1200" b="0" noProof="1"/>
+              <a:t> these repositories, </a:t>
+            </a:r>
+            <a:r>
+              <a:rPr lang="en-US" sz="1200" b="1" noProof="1"/>
+              <a:t>edit</a:t>
+            </a:r>
+            <a:r>
+              <a:rPr lang="en-US" sz="1200" b="0" noProof="1"/>
+              <a:t> files, </a:t>
+            </a:r>
+            <a:r>
+              <a:rPr lang="en-US" sz="1200" b="1" noProof="1"/>
+              <a:t>commit</a:t>
+            </a:r>
+            <a:r>
+              <a:rPr lang="en-US" sz="1200" b="0" noProof="1"/>
+              <a:t> the changes and </a:t>
+            </a:r>
+            <a:r>
+              <a:rPr lang="en-US" sz="1200" b="1" noProof="1"/>
+              <a:t>push</a:t>
+            </a:r>
+            <a:r>
+              <a:rPr lang="en-US" sz="1200" b="0" noProof="1"/>
+              <a:t> the commits to the origin repository.</a:t>
+            </a:r>
+          </a:p>
+          <a:p>
+            <a:pPr marL="171450" marR="0" lvl="0" indent="-171450" algn="l" defTabSz="914400" rtl="0" eaLnBrk="1" fontAlgn="auto" latinLnBrk="0" hangingPunct="1">
+              <a:lnSpc>
+                <a:spcPct val="100000"/>
+              </a:lnSpc>
+              <a:spcBef>
+                <a:spcPts val="0"/>
+              </a:spcBef>
+              <a:spcAft>
+                <a:spcPts val="0"/>
+              </a:spcAft>
+              <a:buClrTx/>
+              <a:buSzTx/>
+              <a:buFont typeface="Arial" panose="020B0604020202020204" pitchFamily="34" charset="0"/>
+              <a:buChar char="•"/>
+              <a:tabLst/>
+              <a:defRPr/>
+            </a:pPr>
+            <a:r>
+              <a:rPr lang="en-US" sz="1200" b="0" noProof="1"/>
+              <a:t>This workflow allows </a:t>
+            </a:r>
+            <a:r>
+              <a:rPr lang="en-US" sz="1200" b="1" noProof="1"/>
+              <a:t>different team members to work together </a:t>
+            </a:r>
+            <a:r>
+              <a:rPr lang="en-US" sz="1200" b="0" noProof="1"/>
+              <a:t>on a shared source code.</a:t>
+            </a:r>
+          </a:p>
+          <a:p>
+            <a:pPr marL="0" marR="0" lvl="0" indent="0" algn="l" defTabSz="914400" rtl="0" eaLnBrk="1" fontAlgn="auto" latinLnBrk="0" hangingPunct="1">
+              <a:lnSpc>
+                <a:spcPct val="100000"/>
+              </a:lnSpc>
+              <a:spcBef>
+                <a:spcPts val="0"/>
+              </a:spcBef>
+              <a:spcAft>
+                <a:spcPts val="0"/>
+              </a:spcAft>
+              <a:buClrTx/>
+              <a:buSzTx/>
+              <a:buFont typeface="Arial" panose="020B0604020202020204" pitchFamily="34" charset="0"/>
+              <a:buNone/>
+              <a:tabLst/>
+              <a:defRPr/>
+            </a:pPr>
+            <a:endParaRPr lang="en-US" dirty="0"/>
+          </a:p>
+          <a:p>
+            <a:pPr marL="0" marR="0" lvl="0" indent="0" algn="l" defTabSz="914400" rtl="0" eaLnBrk="1" fontAlgn="auto" latinLnBrk="0" hangingPunct="1">
+              <a:lnSpc>
+                <a:spcPct val="100000"/>
+              </a:lnSpc>
+              <a:spcBef>
+                <a:spcPts val="0"/>
+              </a:spcBef>
+              <a:spcAft>
+                <a:spcPts val="0"/>
+              </a:spcAft>
+              <a:buClrTx/>
+              <a:buSzTx/>
+              <a:buFont typeface="Arial" panose="020B0604020202020204" pitchFamily="34" charset="0"/>
+              <a:buNone/>
+              <a:tabLst/>
+              <a:defRPr/>
+            </a:pPr>
+            <a:endParaRPr lang="en-US" dirty="0"/>
+          </a:p>
+        </p:txBody>
+      </p:sp>
+      <p:sp>
+        <p:nvSpPr>
+          <p:cNvPr id="4" name="Slide Number Placeholder 3"/>
+          <p:cNvSpPr>
+            <a:spLocks noGrp="1"/>
+          </p:cNvSpPr>
+          <p:nvPr>
+            <p:ph type="sldNum" sz="quarter" idx="5"/>
+          </p:nvPr>
+        </p:nvSpPr>
+        <p:spPr/>
+        <p:txBody>
+          <a:bodyPr/>
+          <a:lstStyle/>
+          <a:p>
+            <a:fld id="{2BF067CD-8E6B-4360-9AA8-C5DF2A48A6D1}" type="slidenum">
+              <a:rPr lang="en-US" smtClean="0"/>
+              <a:t>25</a:t>
+            </a:fld>
+            <a:endParaRPr lang="en-US" dirty="0"/>
+          </a:p>
+        </p:txBody>
+      </p:sp>
+      <p:sp>
+        <p:nvSpPr>
+          <p:cNvPr id="7" name="Footer Placeholder 5">
+            <a:extLst>
+              <a:ext uri="{FF2B5EF4-FFF2-40B4-BE49-F238E27FC236}">
+                <a16:creationId xmlns:a16="http://schemas.microsoft.com/office/drawing/2014/main" id="{950C845B-2BF4-4190-8F80-D3822C65197A}"/>
+              </a:ext>
+            </a:extLst>
+          </p:cNvPr>
+          <p:cNvSpPr>
+            <a:spLocks noGrp="1"/>
+          </p:cNvSpPr>
+          <p:nvPr>
+            <p:ph type="ftr" sz="quarter" idx="4"/>
+          </p:nvPr>
+        </p:nvSpPr>
+        <p:spPr>
+          <a:xfrm>
+            <a:off x="-1" y="8890412"/>
+            <a:ext cx="6308999" cy="252000"/>
+          </a:xfrm>
+          <a:prstGeom prst="rect">
+            <a:avLst/>
+          </a:prstGeom>
+        </p:spPr>
+        <p:txBody>
+          <a:bodyPr vert="horz" lIns="91440" tIns="45720" rIns="91440" bIns="45720" rtlCol="0" anchor="b"/>
+          <a:lstStyle>
+            <a:lvl1pPr algn="l">
+              <a:defRPr sz="1000"/>
+            </a:lvl1pPr>
+          </a:lstStyle>
+          <a:p>
+            <a:r>
+              <a:rPr lang="en-US" dirty="0"/>
+              <a:t>© SoftUni – </a:t>
+            </a:r>
+            <a:r>
+              <a:rPr lang="en-US" u="sng" dirty="0">
+                <a:hlinkClick r:id="rId4"/>
+              </a:rPr>
+              <a:t>https://softuni.org</a:t>
+            </a:r>
+            <a:r>
+              <a:rPr lang="en-US" dirty="0"/>
+              <a:t>. Copyrighted document. Unauthorized copy or reproduction is not permitted.</a:t>
+            </a:r>
+          </a:p>
+        </p:txBody>
+      </p:sp>
+    </p:spTree>
+    <p:extLst>
+      <p:ext uri="{BB962C8B-B14F-4D97-AF65-F5344CB8AC3E}">
+        <p14:creationId xmlns:p14="http://schemas.microsoft.com/office/powerpoint/2010/main" val="3164883788"/>
+      </p:ext>
+    </p:extLst>
+  </p:cSld>
+  <p:clrMapOvr>
+    <a:masterClrMapping/>
+  </p:clrMapOvr>
+</p:notes>
+</file>
+
+<file path=ppt/notesSlides/notesSlide19.xml><?xml version="1.0" encoding="utf-8"?>
+<p:notes xmlns:a="http://schemas.openxmlformats.org/drawingml/2006/main" xmlns:r="http://schemas.openxmlformats.org/officeDocument/2006/relationships" xmlns:p="http://schemas.openxmlformats.org/presentationml/2006/main">
+  <p:cSld>
+    <p:spTree>
+      <p:nvGrpSpPr>
+        <p:cNvPr id="1" name=""/>
+        <p:cNvGrpSpPr/>
+        <p:nvPr/>
+      </p:nvGrpSpPr>
+      <p:grpSpPr>
+        <a:xfrm>
+          <a:off x="0" y="0"/>
+          <a:ext cx="0" cy="0"/>
+          <a:chOff x="0" y="0"/>
+          <a:chExt cx="0" cy="0"/>
+        </a:xfrm>
+      </p:grpSpPr>
+      <p:sp>
+        <p:nvSpPr>
+          <p:cNvPr id="2" name="Slide Image Placeholder 1"/>
+          <p:cNvSpPr>
+            <a:spLocks noGrp="1" noRot="1" noChangeAspect="1"/>
+          </p:cNvSpPr>
+          <p:nvPr>
+            <p:ph type="sldImg"/>
+          </p:nvPr>
+        </p:nvSpPr>
+        <p:spPr/>
+      </p:sp>
+      <p:sp>
+        <p:nvSpPr>
+          <p:cNvPr id="3" name="Notes Placeholder 2"/>
+          <p:cNvSpPr>
+            <a:spLocks noGrp="1"/>
+          </p:cNvSpPr>
+          <p:nvPr>
+            <p:ph type="body" idx="1"/>
+          </p:nvPr>
+        </p:nvSpPr>
+        <p:spPr/>
+        <p:txBody>
+          <a:bodyPr/>
+          <a:lstStyle/>
+          <a:p>
             <a:endParaRPr lang="en-US"/>
           </a:p>
         </p:txBody>
@@ -3363,7 +4730,7 @@
             <a:fld id="{3EBA5BD7-F043-4D1B-AA17-CD412FC534DE}" type="slidenum">
               <a:rPr lang="en-US" smtClean="0"/>
               <a:pPr/>
-              <a:t>25</a:t>
+              <a:t>26</a:t>
             </a:fld>
             <a:endParaRPr lang="en-US" dirty="0"/>
           </a:p>
@@ -27207,6 +28574,289 @@
       </p:grpSpPr>
       <p:sp>
         <p:nvSpPr>
+          <p:cNvPr id="3" name="Text Placeholder 2">
+            <a:extLst>
+              <a:ext uri="{FF2B5EF4-FFF2-40B4-BE49-F238E27FC236}">
+                <a16:creationId xmlns:a16="http://schemas.microsoft.com/office/drawing/2014/main" id="{82C13B4B-AB9F-442C-971A-46DAE802EFA6}"/>
+              </a:ext>
+            </a:extLst>
+          </p:cNvPr>
+          <p:cNvSpPr>
+            <a:spLocks noGrp="1"/>
+          </p:cNvSpPr>
+          <p:nvPr>
+            <p:ph type="body" sz="quarter" idx="10"/>
+          </p:nvPr>
+        </p:nvSpPr>
+        <p:spPr/>
+        <p:txBody>
+          <a:bodyPr/>
+          <a:lstStyle/>
+          <a:p>
+            <a:pPr>
+              <a:buClr>
+                <a:schemeClr val="tx1"/>
+              </a:buClr>
+            </a:pPr>
+            <a:r>
+              <a:rPr lang="en-US" dirty="0"/>
+              <a:t>GitHub</a:t>
+            </a:r>
+            <a:r>
+              <a:rPr lang="mn-MN" dirty="0"/>
+              <a:t>-д бүртгүүлнэ. </a:t>
+            </a:r>
+            <a:r>
+              <a:rPr lang="en-US" dirty="0" err="1"/>
+              <a:t>SignUP</a:t>
+            </a:r>
+            <a:endParaRPr lang="en-US" dirty="0"/>
+          </a:p>
+          <a:p>
+            <a:pPr>
+              <a:buClr>
+                <a:schemeClr val="tx1"/>
+              </a:buClr>
+            </a:pPr>
+            <a:r>
+              <a:rPr lang="en-US" dirty="0"/>
+              <a:t>GitHub </a:t>
+            </a:r>
+            <a:r>
+              <a:rPr lang="mn-MN" dirty="0"/>
+              <a:t>дээр </a:t>
+            </a:r>
+            <a:r>
+              <a:rPr lang="en-US" dirty="0"/>
+              <a:t>repo</a:t>
+            </a:r>
+          </a:p>
+          <a:p>
+            <a:pPr>
+              <a:buClr>
+                <a:schemeClr val="tx1"/>
+              </a:buClr>
+            </a:pPr>
+            <a:r>
+              <a:rPr lang="en-US" dirty="0" err="1"/>
+              <a:t>ReadME</a:t>
+            </a:r>
+            <a:r>
+              <a:rPr lang="en-US" dirty="0"/>
+              <a:t> file</a:t>
+            </a:r>
+            <a:r>
+              <a:rPr lang="mn-MN" dirty="0"/>
+              <a:t>-ийг </a:t>
+            </a:r>
+            <a:r>
+              <a:rPr lang="en-US" dirty="0"/>
+              <a:t>edit </a:t>
+            </a:r>
+            <a:r>
+              <a:rPr lang="mn-MN" dirty="0"/>
+              <a:t>хийнэ.</a:t>
+            </a:r>
+          </a:p>
+          <a:p>
+            <a:pPr>
+              <a:buClr>
+                <a:schemeClr val="tx1"/>
+              </a:buClr>
+            </a:pPr>
+            <a:r>
+              <a:rPr lang="en-US" dirty="0"/>
+              <a:t>Commit, Push</a:t>
+            </a:r>
+          </a:p>
+          <a:p>
+            <a:pPr>
+              <a:buClr>
+                <a:schemeClr val="tx1"/>
+              </a:buClr>
+            </a:pPr>
+            <a:endParaRPr lang="en-US" dirty="0"/>
+          </a:p>
+          <a:p>
+            <a:pPr>
+              <a:buClr>
+                <a:schemeClr val="tx1"/>
+              </a:buClr>
+            </a:pPr>
+            <a:r>
+              <a:rPr lang="en-US" dirty="0" err="1"/>
+              <a:t>Firt_repo</a:t>
+            </a:r>
+            <a:r>
+              <a:rPr lang="en-US" dirty="0"/>
+              <a:t> </a:t>
+            </a:r>
+            <a:r>
+              <a:rPr lang="en-US" dirty="0" err="1"/>
+              <a:t>Ttuuguu</a:t>
+            </a:r>
+            <a:r>
+              <a:rPr lang="en-US" dirty="0"/>
+              <a:t> REPO </a:t>
+            </a:r>
+            <a:r>
+              <a:rPr lang="mn-MN" dirty="0"/>
+              <a:t>дээр </a:t>
+            </a:r>
+            <a:r>
+              <a:rPr lang="en-US" dirty="0"/>
+              <a:t>MongoDB </a:t>
+            </a:r>
+            <a:r>
+              <a:rPr lang="mn-MN" dirty="0"/>
+              <a:t>дээр хийсэн ажлын командуудаа текст файл дээр оруулаад нэмнэ.</a:t>
+            </a:r>
+          </a:p>
+          <a:p>
+            <a:pPr>
+              <a:buClr>
+                <a:schemeClr val="tx1"/>
+              </a:buClr>
+            </a:pPr>
+            <a:r>
+              <a:rPr lang="mn-MN" dirty="0"/>
+              <a:t>(</a:t>
+            </a:r>
+            <a:r>
+              <a:rPr lang="en-US" dirty="0" err="1"/>
+              <a:t>GitBash</a:t>
+            </a:r>
+            <a:r>
+              <a:rPr lang="en-US" dirty="0"/>
+              <a:t> </a:t>
+            </a:r>
+            <a:r>
+              <a:rPr lang="mn-MN" dirty="0"/>
+              <a:t>командаар, </a:t>
+            </a:r>
+            <a:r>
+              <a:rPr lang="en-US"/>
+              <a:t>GitHub Desktop)</a:t>
+            </a:r>
+            <a:endParaRPr lang="en-US" dirty="0"/>
+          </a:p>
+        </p:txBody>
+      </p:sp>
+      <p:sp>
+        <p:nvSpPr>
+          <p:cNvPr id="4" name="Title 3">
+            <a:extLst>
+              <a:ext uri="{FF2B5EF4-FFF2-40B4-BE49-F238E27FC236}">
+                <a16:creationId xmlns:a16="http://schemas.microsoft.com/office/drawing/2014/main" id="{70F6FCFA-044C-45D6-8749-48E8A4591D9D}"/>
+              </a:ext>
+            </a:extLst>
+          </p:cNvPr>
+          <p:cNvSpPr>
+            <a:spLocks noGrp="1"/>
+          </p:cNvSpPr>
+          <p:nvPr>
+            <p:ph type="title"/>
+          </p:nvPr>
+        </p:nvSpPr>
+        <p:spPr/>
+        <p:txBody>
+          <a:bodyPr/>
+          <a:lstStyle/>
+          <a:p>
+            <a:r>
+              <a:rPr lang="en-US" dirty="0"/>
+              <a:t>GitHub – </a:t>
+            </a:r>
+            <a:r>
+              <a:rPr lang="mn-MN" dirty="0"/>
+              <a:t>Гэрийн даалгавар</a:t>
+            </a:r>
+            <a:endParaRPr lang="en-US" dirty="0"/>
+          </a:p>
+        </p:txBody>
+      </p:sp>
+      <p:sp>
+        <p:nvSpPr>
+          <p:cNvPr id="10" name="Slide Number">
+            <a:extLst>
+              <a:ext uri="{FF2B5EF4-FFF2-40B4-BE49-F238E27FC236}">
+                <a16:creationId xmlns:a16="http://schemas.microsoft.com/office/drawing/2014/main" id="{001E77CF-3ECD-4D93-938E-8324F7785CAF}"/>
+              </a:ext>
+            </a:extLst>
+          </p:cNvPr>
+          <p:cNvSpPr>
+            <a:spLocks noGrp="1"/>
+          </p:cNvSpPr>
+          <p:nvPr>
+            <p:ph type="sldNum" sz="quarter" idx="5"/>
+          </p:nvPr>
+        </p:nvSpPr>
+        <p:spPr>
+          <a:xfrm>
+            <a:off x="11754618" y="6507000"/>
+            <a:ext cx="367414" cy="297000"/>
+          </a:xfrm>
+          <a:prstGeom prst="rect">
+            <a:avLst/>
+          </a:prstGeom>
+        </p:spPr>
+        <p:txBody>
+          <a:bodyPr vert="horz" lIns="91440" tIns="45720" rIns="91440" bIns="45720" rtlCol="0" anchor="b"/>
+          <a:lstStyle>
+            <a:lvl1pPr algn="r">
+              <a:defRPr sz="1000"/>
+            </a:lvl1pPr>
+          </a:lstStyle>
+          <a:p>
+            <a:fld id="{2BF067CD-8E6B-4360-9AA8-C5DF2A48A6D1}" type="slidenum">
+              <a:rPr lang="en-US" noProof="0" smtClean="0"/>
+              <a:pPr/>
+              <a:t>25</a:t>
+            </a:fld>
+            <a:endParaRPr lang="en-US" noProof="0" dirty="0"/>
+          </a:p>
+        </p:txBody>
+      </p:sp>
+    </p:spTree>
+    <p:extLst>
+      <p:ext uri="{BB962C8B-B14F-4D97-AF65-F5344CB8AC3E}">
+        <p14:creationId xmlns:p14="http://schemas.microsoft.com/office/powerpoint/2010/main" val="1983937221"/>
+      </p:ext>
+    </p:extLst>
+  </p:cSld>
+  <p:clrMapOvr>
+    <a:masterClrMapping/>
+  </p:clrMapOvr>
+  <mc:AlternateContent xmlns:mc="http://schemas.openxmlformats.org/markup-compatibility/2006">
+    <mc:Choice xmlns:p14="http://schemas.microsoft.com/office/powerpoint/2010/main" Requires="p14">
+      <p:transition spd="slow" p14:dur="2000" advClick="0" advTm="5000"/>
+    </mc:Choice>
+    <mc:Fallback>
+      <p:transition spd="slow" advClick="0" advTm="5000"/>
+    </mc:Fallback>
+  </mc:AlternateContent>
+</p:sld>
+</file>
+
+<file path=ppt/slides/slide26.xml><?xml version="1.0" encoding="utf-8"?>
+<p:sld xmlns:a="http://schemas.openxmlformats.org/drawingml/2006/main" xmlns:r="http://schemas.openxmlformats.org/officeDocument/2006/relationships" xmlns:p="http://schemas.openxmlformats.org/presentationml/2006/main">
+  <p:cSld>
+    <p:spTree>
+      <p:nvGrpSpPr>
+        <p:cNvPr id="1" name=""/>
+        <p:cNvGrpSpPr/>
+        <p:nvPr/>
+      </p:nvGrpSpPr>
+      <p:grpSpPr>
+        <a:xfrm>
+          <a:off x="0" y="0"/>
+          <a:ext cx="0" cy="0"/>
+          <a:chOff x="0" y="0"/>
+          <a:chExt cx="0" cy="0"/>
+        </a:xfrm>
+      </p:grpSpPr>
+      <p:sp>
+        <p:nvSpPr>
           <p:cNvPr id="14" name="Text Placeholder 4">
             <a:extLst>
               <a:ext uri="{FF2B5EF4-FFF2-40B4-BE49-F238E27FC236}">
@@ -28104,7 +29754,7 @@
             <a:fld id="{2BF067CD-8E6B-4360-9AA8-C5DF2A48A6D1}" type="slidenum">
               <a:rPr lang="en-US" noProof="0" smtClean="0"/>
               <a:pPr/>
-              <a:t>25</a:t>
+              <a:t>26</a:t>
             </a:fld>
             <a:endParaRPr lang="en-US" noProof="0" dirty="0"/>
           </a:p>
